--- a/Experiments/Arduino/03_SERVO/01_Pro_ucitele/PowerPoint_prezentace/02_servo_if.pptx
+++ b/Experiments/Arduino/03_SERVO/01_Pro_ucitele/PowerPoint_prezentace/02_servo_if.pptx
@@ -220,7 +220,7 @@
           <a:p>
             <a:fld id="{4D4CD106-0280-324C-A42B-4E18AB917999}" type="datetimeFigureOut">
               <a:rPr lang="cs-CZ" smtClean="0"/>
-              <a:t>20.11.2019</a:t>
+              <a:t>06.02.2021</a:t>
             </a:fld>
             <a:endParaRPr lang="cs-CZ"/>
           </a:p>
@@ -284,38 +284,37 @@
           <a:p>
             <a:pPr lvl="0"/>
             <a:r>
-              <a:rPr lang="cs-CZ" smtClean="0"/>
+              <a:rPr lang="cs-CZ"/>
               <a:t>Po kliknutí můžete upravovat styly textu v předloze.</a:t>
             </a:r>
           </a:p>
           <a:p>
             <a:pPr lvl="1"/>
             <a:r>
-              <a:rPr lang="cs-CZ" smtClean="0"/>
+              <a:rPr lang="cs-CZ"/>
               <a:t>Druhá úroveň</a:t>
             </a:r>
           </a:p>
           <a:p>
             <a:pPr lvl="2"/>
             <a:r>
-              <a:rPr lang="cs-CZ" smtClean="0"/>
+              <a:rPr lang="cs-CZ"/>
               <a:t>Třetí úroveň</a:t>
             </a:r>
           </a:p>
           <a:p>
             <a:pPr lvl="3"/>
             <a:r>
-              <a:rPr lang="cs-CZ" smtClean="0"/>
+              <a:rPr lang="cs-CZ"/>
               <a:t>Čtvrtá úroveň</a:t>
             </a:r>
           </a:p>
           <a:p>
             <a:pPr lvl="4"/>
             <a:r>
-              <a:rPr lang="cs-CZ" smtClean="0"/>
+              <a:rPr lang="cs-CZ"/>
               <a:t>Pátá úroveň</a:t>
             </a:r>
-            <a:endParaRPr lang="cs-CZ"/>
           </a:p>
         </p:txBody>
       </p:sp>
@@ -6590,7 +6589,7 @@
           <a:lstStyle/>
           <a:p>
             <a:r>
-              <a:rPr lang="en-US" altLang="ko-KR" sz="3600" b="1" dirty="0" err="1" smtClean="0">
+              <a:rPr lang="en-US" altLang="ko-KR" sz="3600" b="1" dirty="0" err="1">
                 <a:latin typeface="Andale Mono" charset="0"/>
                 <a:ea typeface="Andale Mono" charset="0"/>
                 <a:cs typeface="Andale Mono" charset="0"/>
@@ -6598,7 +6597,7 @@
               <a:t>Řízení</a:t>
             </a:r>
             <a:r>
-              <a:rPr lang="en-US" altLang="ko-KR" sz="3600" b="1" dirty="0" smtClean="0">
+              <a:rPr lang="en-US" altLang="ko-KR" sz="3600" b="1" dirty="0">
                 <a:latin typeface="Andale Mono" charset="0"/>
                 <a:ea typeface="Andale Mono" charset="0"/>
                 <a:cs typeface="Andale Mono" charset="0"/>
@@ -6606,7 +6605,7 @@
               <a:t> </a:t>
             </a:r>
             <a:r>
-              <a:rPr lang="en-US" altLang="ko-KR" sz="3600" b="1" dirty="0" err="1" smtClean="0">
+              <a:rPr lang="en-US" altLang="ko-KR" sz="3600" b="1" dirty="0" err="1">
                 <a:latin typeface="Andale Mono" charset="0"/>
                 <a:ea typeface="Andale Mono" charset="0"/>
                 <a:cs typeface="Andale Mono" charset="0"/>
@@ -6651,7 +6650,7 @@
               <a:defRPr/>
             </a:pPr>
             <a:r>
-              <a:rPr lang="cs-CZ" sz="1200" dirty="0" smtClean="0">
+              <a:rPr lang="cs-CZ" sz="1200" dirty="0">
                 <a:latin typeface="Andale Mono" charset="0"/>
                 <a:ea typeface="Andale Mono" charset="0"/>
                 <a:cs typeface="Andale Mono" charset="0"/>
@@ -6659,7 +6658,7 @@
               <a:t>Servomotory se dají ovládat různými komponentami. Proto se podíváme na ovládání tlačítkem nebo fotorezistorem. K tomu se budeme muset naučit používat podmínkový příkaz </a:t>
             </a:r>
             <a:r>
-              <a:rPr lang="cs-CZ" sz="1200" dirty="0" err="1" smtClean="0">
+              <a:rPr lang="cs-CZ" sz="1200" dirty="0" err="1">
                 <a:latin typeface="Andale Mono" charset="0"/>
                 <a:ea typeface="Andale Mono" charset="0"/>
                 <a:cs typeface="Andale Mono" charset="0"/>
@@ -6667,7 +6666,7 @@
               <a:t>if</a:t>
             </a:r>
             <a:r>
-              <a:rPr lang="cs-CZ" sz="1200" dirty="0" smtClean="0">
+              <a:rPr lang="cs-CZ" sz="1200" dirty="0">
                 <a:latin typeface="Andale Mono" charset="0"/>
                 <a:ea typeface="Andale Mono" charset="0"/>
                 <a:cs typeface="Andale Mono" charset="0"/>
@@ -6824,7 +6823,7 @@
             <a:lstStyle/>
             <a:p>
               <a:r>
-                <a:rPr lang="cs-CZ" sz="800" b="1" smtClean="0">
+                <a:rPr lang="cs-CZ" sz="800" b="1">
                   <a:solidFill>
                     <a:schemeClr val="bg1"/>
                   </a:solidFill>
@@ -6856,13 +6855,6 @@
   <p:clrMapOvr>
     <a:masterClrMapping/>
   </p:clrMapOvr>
-  <p:timing>
-    <p:tnLst>
-      <p:par>
-        <p:cTn id="1" dur="indefinite" restart="never" nodeType="tmRoot"/>
-      </p:par>
-    </p:tnLst>
-  </p:timing>
 </p:sld>
 </file>
 
@@ -7090,7 +7082,7 @@
               <a:buNone/>
             </a:pPr>
             <a:r>
-              <a:rPr lang="en-US" altLang="ko-KR" sz="1800" b="1" dirty="0" err="1" smtClean="0">
+              <a:rPr lang="en-US" altLang="ko-KR" sz="1800" b="1" dirty="0" err="1">
                 <a:solidFill>
                   <a:schemeClr val="bg1"/>
                 </a:solidFill>
@@ -7101,7 +7093,7 @@
               <a:t>Otázka</a:t>
             </a:r>
             <a:r>
-              <a:rPr lang="en-US" altLang="ko-KR" sz="1800" b="1" dirty="0" smtClean="0">
+              <a:rPr lang="en-US" altLang="ko-KR" sz="1800" b="1" dirty="0">
                 <a:solidFill>
                   <a:schemeClr val="bg1"/>
                 </a:solidFill>
@@ -7112,7 +7104,7 @@
               <a:t> pro </a:t>
             </a:r>
             <a:br>
-              <a:rPr lang="en-US" altLang="ko-KR" sz="1800" b="1" dirty="0" smtClean="0">
+              <a:rPr lang="en-US" altLang="ko-KR" sz="1800" b="1" dirty="0">
                 <a:solidFill>
                   <a:schemeClr val="bg1"/>
                 </a:solidFill>
@@ -7122,7 +7114,7 @@
               </a:rPr>
             </a:br>
             <a:r>
-              <a:rPr lang="en-US" altLang="ko-KR" sz="1800" b="1" dirty="0" err="1" smtClean="0">
+              <a:rPr lang="en-US" altLang="ko-KR" sz="1800" b="1" dirty="0" err="1">
                 <a:solidFill>
                   <a:schemeClr val="bg1"/>
                 </a:solidFill>
@@ -7220,7 +7212,7 @@
             <a:lstStyle/>
             <a:p>
               <a:r>
-                <a:rPr lang="cs-CZ" sz="800" b="1" smtClean="0">
+                <a:rPr lang="cs-CZ" sz="800" b="1">
                   <a:solidFill>
                     <a:schemeClr val="bg1"/>
                   </a:solidFill>
@@ -7266,7 +7258,7 @@
           <a:p>
             <a:pPr latinLnBrk="0" hangingPunct="0"/>
             <a:r>
-              <a:rPr lang="cs-CZ" sz="1600" dirty="0" smtClean="0">
+              <a:rPr lang="cs-CZ" sz="1600" dirty="0">
                 <a:solidFill>
                   <a:srgbClr val="AB7942"/>
                 </a:solidFill>
@@ -7274,18 +7266,7 @@
                 <a:ea typeface="Andale Mono" charset="0"/>
                 <a:cs typeface="Andale Mono" charset="0"/>
               </a:rPr>
-              <a:t>Jakou </a:t>
-            </a:r>
-            <a:r>
-              <a:rPr lang="cs-CZ" sz="1600" dirty="0">
-                <a:solidFill>
-                  <a:srgbClr val="AB7942"/>
-                </a:solidFill>
-                <a:latin typeface="Andale Mono" charset="0"/>
-                <a:ea typeface="Andale Mono" charset="0"/>
-                <a:cs typeface="Andale Mono" charset="0"/>
-              </a:rPr>
-              <a:t>podobnost vidíte v zapojení fotorezistorů se zapojením potenciometru?</a:t>
+              <a:t>Jakou podobnost vidíte v zapojení fotorezistorů se zapojením potenciometru?</a:t>
             </a:r>
           </a:p>
         </p:txBody>
@@ -7334,7 +7315,7 @@
               <a:t>Kombinace fotorezistorů nám vytváří tzv. </a:t>
             </a:r>
             <a:r>
-              <a:rPr lang="cs-CZ" sz="1200" smtClean="0">
+              <a:rPr lang="cs-CZ" sz="1200">
                 <a:solidFill>
                   <a:srgbClr val="595959"/>
                 </a:solidFill>
@@ -7690,7 +7671,7 @@
               <a:buNone/>
             </a:pPr>
             <a:r>
-              <a:rPr lang="en-US" altLang="ko-KR" sz="1800" b="1" dirty="0" err="1" smtClean="0">
+              <a:rPr lang="en-US" altLang="ko-KR" sz="1800" b="1" dirty="0" err="1">
                 <a:solidFill>
                   <a:schemeClr val="bg1"/>
                 </a:solidFill>
@@ -7701,7 +7682,7 @@
               <a:t>Úkol</a:t>
             </a:r>
             <a:r>
-              <a:rPr lang="en-US" altLang="ko-KR" sz="1800" b="1" dirty="0" smtClean="0">
+              <a:rPr lang="en-US" altLang="ko-KR" sz="1800" b="1" dirty="0">
                 <a:solidFill>
                   <a:schemeClr val="bg1"/>
                 </a:solidFill>
@@ -7712,7 +7693,7 @@
               <a:t> pro </a:t>
             </a:r>
             <a:br>
-              <a:rPr lang="en-US" altLang="ko-KR" sz="1800" b="1" dirty="0" smtClean="0">
+              <a:rPr lang="en-US" altLang="ko-KR" sz="1800" b="1" dirty="0">
                 <a:solidFill>
                   <a:schemeClr val="bg1"/>
                 </a:solidFill>
@@ -7722,7 +7703,7 @@
               </a:rPr>
             </a:br>
             <a:r>
-              <a:rPr lang="en-US" altLang="ko-KR" sz="1800" b="1" dirty="0" err="1" smtClean="0">
+              <a:rPr lang="en-US" altLang="ko-KR" sz="1800" b="1" dirty="0" err="1">
                 <a:solidFill>
                   <a:schemeClr val="bg1"/>
                 </a:solidFill>
@@ -7820,7 +7801,7 @@
             <a:lstStyle/>
             <a:p>
               <a:r>
-                <a:rPr lang="cs-CZ" sz="800" b="1" smtClean="0">
+                <a:rPr lang="cs-CZ" sz="800" b="1">
                   <a:solidFill>
                     <a:schemeClr val="bg1"/>
                   </a:solidFill>
@@ -7888,20 +7869,20 @@
           <p:nvPr>
             <p:extLst>
               <p:ext uri="{D42A27DB-BD31-4B8C-83A1-F6EECF244321}">
-                <p14:modId xmlns:p14="http://schemas.microsoft.com/office/powerpoint/2010/main" val="122169675"/>
+                <p14:modId xmlns:p14="http://schemas.microsoft.com/office/powerpoint/2010/main" val="1407935877"/>
               </p:ext>
             </p:extLst>
           </p:nvPr>
         </p:nvGraphicFramePr>
         <p:xfrm>
-          <a:off x="2517775" y="1477963"/>
+          <a:off x="2505629" y="1869233"/>
           <a:ext cx="5651500" cy="2933700"/>
         </p:xfrm>
         <a:graphic>
           <a:graphicData uri="http://schemas.openxmlformats.org/presentationml/2006/ole">
             <mc:AlternateContent xmlns:mc="http://schemas.openxmlformats.org/markup-compatibility/2006">
               <mc:Choice xmlns:v="urn:schemas-microsoft-com:vml" Requires="v">
-                <p:oleObj spid="_x0000_s24591" name="Dokument" r:id="rId5" imgW="5651500" imgH="2933700" progId="Word.Document.12">
+                <p:oleObj spid="_x0000_s24593" name="Dokument" r:id="rId5" imgW="5651500" imgH="2933700" progId="Word.Document.12">
                   <p:embed/>
                 </p:oleObj>
               </mc:Choice>
@@ -7922,7 +7903,7 @@
                     </p:blipFill>
                     <p:spPr>
                       <a:xfrm>
-                        <a:off x="2517775" y="1477963"/>
+                        <a:off x="2505629" y="1869233"/>
                         <a:ext cx="5651500" cy="2933700"/>
                       </a:xfrm>
                       <a:prstGeom prst="rect">
@@ -7958,12 +7939,12 @@
           <a:graphicData uri="http://schemas.openxmlformats.org/presentationml/2006/ole">
             <mc:AlternateContent xmlns:mc="http://schemas.openxmlformats.org/markup-compatibility/2006">
               <mc:Choice xmlns:v="urn:schemas-microsoft-com:vml" Requires="v">
-                <p:oleObj spid="_x0000_s24592" name="Dokument" r:id="rId8" imgW="5575300" imgH="3187700" progId="Word.Document.12">
+                <p:oleObj spid="_x0000_s24594" name="Dokument" r:id="rId7" imgW="5575300" imgH="3187700" progId="Word.Document.12">
                   <p:embed/>
                 </p:oleObj>
               </mc:Choice>
               <mc:Fallback>
-                <p:oleObj name="Dokument" r:id="rId8" imgW="5575300" imgH="3187700" progId="Word.Document.12">
+                <p:oleObj name="Dokument" r:id="rId7" imgW="5575300" imgH="3187700" progId="Word.Document.12">
                   <p:embed/>
                   <p:pic>
                     <p:nvPicPr>
@@ -7972,7 +7953,7 @@
                       <p:nvPr/>
                     </p:nvPicPr>
                     <p:blipFill>
-                      <a:blip r:embed="rId9"/>
+                      <a:blip r:embed="rId8"/>
                       <a:stretch>
                         <a:fillRect/>
                       </a:stretch>
@@ -8413,7 +8394,7 @@
               <a:buNone/>
             </a:pPr>
             <a:r>
-              <a:rPr lang="en-US" altLang="ko-KR" sz="1800" b="1" dirty="0" err="1" smtClean="0">
+              <a:rPr lang="en-US" altLang="ko-KR" sz="1800" b="1" dirty="0" err="1">
                 <a:solidFill>
                   <a:schemeClr val="bg1"/>
                 </a:solidFill>
@@ -8424,7 +8405,7 @@
               <a:t>Podmínkový</a:t>
             </a:r>
             <a:r>
-              <a:rPr lang="en-US" altLang="ko-KR" sz="1800" b="1" dirty="0" smtClean="0">
+              <a:rPr lang="en-US" altLang="ko-KR" sz="1800" b="1" dirty="0">
                 <a:solidFill>
                   <a:schemeClr val="bg1"/>
                 </a:solidFill>
@@ -8435,7 +8416,7 @@
               <a:t> </a:t>
             </a:r>
             <a:r>
-              <a:rPr lang="en-US" altLang="ko-KR" sz="1800" b="1" dirty="0" err="1" smtClean="0">
+              <a:rPr lang="en-US" altLang="ko-KR" sz="1800" b="1" dirty="0" err="1">
                 <a:solidFill>
                   <a:schemeClr val="bg1"/>
                 </a:solidFill>
@@ -8446,7 +8427,7 @@
               <a:t>příkaz</a:t>
             </a:r>
             <a:r>
-              <a:rPr lang="en-US" altLang="ko-KR" sz="1800" b="1" dirty="0" smtClean="0">
+              <a:rPr lang="en-US" altLang="ko-KR" sz="1800" b="1" dirty="0">
                 <a:solidFill>
                   <a:schemeClr val="bg1"/>
                 </a:solidFill>
@@ -8544,7 +8525,7 @@
             <a:lstStyle/>
             <a:p>
               <a:r>
-                <a:rPr lang="cs-CZ" sz="800" b="1" smtClean="0">
+                <a:rPr lang="cs-CZ" sz="800" b="1">
                   <a:solidFill>
                     <a:schemeClr val="bg1"/>
                   </a:solidFill>
@@ -8589,7 +8570,7 @@
           <a:lstStyle/>
           <a:p>
             <a:r>
-              <a:rPr lang="cs-CZ" sz="1600" b="1" dirty="0" smtClean="0">
+              <a:rPr lang="cs-CZ" sz="1600" b="1" dirty="0">
                 <a:solidFill>
                   <a:srgbClr val="AB7942"/>
                 </a:solidFill>
@@ -8600,7 +8581,7 @@
               <a:t>Jak na podmínky v </a:t>
             </a:r>
             <a:r>
-              <a:rPr lang="cs-CZ" sz="1600" b="1" dirty="0" err="1" smtClean="0">
+              <a:rPr lang="cs-CZ" sz="1600" b="1" dirty="0" err="1">
                 <a:solidFill>
                   <a:srgbClr val="AB7942"/>
                 </a:solidFill>
@@ -8611,7 +8592,7 @@
               <a:t>Arduinu</a:t>
             </a:r>
             <a:r>
-              <a:rPr lang="cs-CZ" sz="1600" b="1" dirty="0" smtClean="0">
+              <a:rPr lang="cs-CZ" sz="1600" b="1" dirty="0">
                 <a:solidFill>
                   <a:srgbClr val="AB7942"/>
                 </a:solidFill>
@@ -8621,14 +8602,6 @@
               </a:rPr>
               <a:t>?</a:t>
             </a:r>
-            <a:endParaRPr lang="cs-CZ" sz="1600" b="1" dirty="0">
-              <a:solidFill>
-                <a:srgbClr val="AB7942"/>
-              </a:solidFill>
-              <a:latin typeface="Andale Mono" charset="0"/>
-              <a:ea typeface="Andale Mono" charset="0"/>
-              <a:cs typeface="Andale Mono" charset="0"/>
-            </a:endParaRPr>
           </a:p>
         </p:txBody>
       </p:sp>
@@ -8654,12 +8627,12 @@
           <a:graphicData uri="http://schemas.openxmlformats.org/presentationml/2006/ole">
             <mc:AlternateContent xmlns:mc="http://schemas.openxmlformats.org/markup-compatibility/2006">
               <mc:Choice xmlns:v="urn:schemas-microsoft-com:vml" Requires="v">
-                <p:oleObj spid="_x0000_s21602" name="Dokument" r:id="rId6" imgW="5575300" imgH="1371600" progId="Word.Document.12">
+                <p:oleObj spid="_x0000_s21604" name="Dokument" r:id="rId5" imgW="5575300" imgH="1371600" progId="Word.Document.12">
                   <p:embed/>
                 </p:oleObj>
               </mc:Choice>
               <mc:Fallback>
-                <p:oleObj name="Dokument" r:id="rId6" imgW="5575300" imgH="1371600" progId="Word.Document.12">
+                <p:oleObj name="Dokument" r:id="rId5" imgW="5575300" imgH="1371600" progId="Word.Document.12">
                   <p:embed/>
                   <p:pic>
                     <p:nvPicPr>
@@ -8668,7 +8641,7 @@
                       <p:nvPr/>
                     </p:nvPicPr>
                     <p:blipFill>
-                      <a:blip r:embed="rId7"/>
+                      <a:blip r:embed="rId6"/>
                       <a:stretch>
                         <a:fillRect/>
                       </a:stretch>
@@ -8730,7 +8703,7 @@
               <a:t>Podmínkový příkaz </a:t>
             </a:r>
             <a:r>
-              <a:rPr lang="cs-CZ" sz="1200" b="1" dirty="0" err="1" smtClean="0">
+              <a:rPr lang="cs-CZ" sz="1200" b="1" dirty="0" err="1">
                 <a:solidFill>
                   <a:srgbClr val="595959"/>
                 </a:solidFill>
@@ -8741,7 +8714,7 @@
               <a:t>if</a:t>
             </a:r>
             <a:r>
-              <a:rPr lang="cs-CZ" sz="1200" b="1" dirty="0" smtClean="0">
+              <a:rPr lang="cs-CZ" sz="1200" b="1" dirty="0">
                 <a:solidFill>
                   <a:srgbClr val="595959"/>
                 </a:solidFill>
@@ -8752,7 +8725,7 @@
               <a:t>…</a:t>
             </a:r>
             <a:r>
-              <a:rPr lang="cs-CZ" sz="1200" b="1" dirty="0" err="1" smtClean="0">
+              <a:rPr lang="cs-CZ" sz="1200" b="1" dirty="0" err="1">
                 <a:solidFill>
                   <a:srgbClr val="595959"/>
                 </a:solidFill>
@@ -8763,7 +8736,7 @@
               <a:t>else</a:t>
             </a:r>
             <a:r>
-              <a:rPr lang="cs-CZ" sz="1200" b="1" dirty="0" smtClean="0">
+              <a:rPr lang="cs-CZ" sz="1200" b="1" dirty="0">
                 <a:solidFill>
                   <a:srgbClr val="595959"/>
                 </a:solidFill>
@@ -8782,29 +8755,7 @@
                 <a:ea typeface="Andale Mono" charset="0"/>
                 <a:cs typeface="Andale Mono" charset="0"/>
               </a:rPr>
-              <a:t>umožňuje větší kontrolu nad tokem kódu. </a:t>
-            </a:r>
-            <a:r>
-              <a:rPr lang="cs-CZ" sz="1200" dirty="0" smtClean="0">
-                <a:solidFill>
-                  <a:srgbClr val="595959"/>
-                </a:solidFill>
-                <a:latin typeface="Andale Mono" charset="0"/>
-                <a:ea typeface="Andale Mono" charset="0"/>
-                <a:cs typeface="Andale Mono" charset="0"/>
-              </a:rPr>
-              <a:t>Začíná klíčovým </a:t>
-            </a:r>
-            <a:r>
-              <a:rPr lang="cs-CZ" sz="1200" dirty="0">
-                <a:solidFill>
-                  <a:srgbClr val="595959"/>
-                </a:solidFill>
-                <a:latin typeface="Andale Mono" charset="0"/>
-                <a:ea typeface="Andale Mono" charset="0"/>
-                <a:cs typeface="Andale Mono" charset="0"/>
-              </a:rPr>
-              <a:t>slovem </a:t>
+              <a:t>umožňuje větší kontrolu nad tokem kódu. Začíná klíčovým slovem </a:t>
             </a:r>
             <a:r>
               <a:rPr lang="cs-CZ" sz="1200" b="1" dirty="0" err="1">
@@ -8826,106 +8777,7 @@
                 <a:ea typeface="Andale Mono" charset="0"/>
                 <a:cs typeface="Andale Mono" charset="0"/>
               </a:rPr>
-              <a:t> a první podmínkou. </a:t>
-            </a:r>
-            <a:r>
-              <a:rPr lang="cs-CZ" sz="1200" dirty="0" smtClean="0">
-                <a:solidFill>
-                  <a:srgbClr val="595959"/>
-                </a:solidFill>
-                <a:latin typeface="Andale Mono" charset="0"/>
-                <a:ea typeface="Andale Mono" charset="0"/>
-                <a:cs typeface="Andale Mono" charset="0"/>
-              </a:rPr>
-              <a:t>Při splnění se </a:t>
-            </a:r>
-            <a:r>
-              <a:rPr lang="cs-CZ" sz="1200" dirty="0">
-                <a:solidFill>
-                  <a:srgbClr val="595959"/>
-                </a:solidFill>
-                <a:latin typeface="Andale Mono" charset="0"/>
-                <a:ea typeface="Andale Mono" charset="0"/>
-                <a:cs typeface="Andale Mono" charset="0"/>
-              </a:rPr>
-              <a:t>vykoná blok příkazů. Při nesplnění </a:t>
-            </a:r>
-            <a:r>
-              <a:rPr lang="cs-CZ" sz="1200" dirty="0" smtClean="0">
-                <a:solidFill>
-                  <a:srgbClr val="595959"/>
-                </a:solidFill>
-                <a:latin typeface="Andale Mono" charset="0"/>
-                <a:ea typeface="Andale Mono" charset="0"/>
-                <a:cs typeface="Andale Mono" charset="0"/>
-              </a:rPr>
-              <a:t>se běh programu</a:t>
-            </a:r>
-            <a:r>
-              <a:rPr lang="cs-CZ" sz="1200" dirty="0">
-                <a:solidFill>
-                  <a:srgbClr val="595959"/>
-                </a:solidFill>
-                <a:latin typeface="Andale Mono" charset="0"/>
-                <a:ea typeface="Andale Mono" charset="0"/>
-                <a:cs typeface="Andale Mono" charset="0"/>
-              </a:rPr>
-              <a:t> </a:t>
-            </a:r>
-            <a:r>
-              <a:rPr lang="cs-CZ" sz="1200" dirty="0" smtClean="0">
-                <a:solidFill>
-                  <a:srgbClr val="595959"/>
-                </a:solidFill>
-                <a:latin typeface="Andale Mono" charset="0"/>
-                <a:ea typeface="Andale Mono" charset="0"/>
-                <a:cs typeface="Andale Mono" charset="0"/>
-              </a:rPr>
-              <a:t>nastaví do </a:t>
-            </a:r>
-            <a:r>
-              <a:rPr lang="cs-CZ" sz="1200" dirty="0">
-                <a:solidFill>
-                  <a:srgbClr val="595959"/>
-                </a:solidFill>
-                <a:latin typeface="Andale Mono" charset="0"/>
-                <a:ea typeface="Andale Mono" charset="0"/>
-                <a:cs typeface="Andale Mono" charset="0"/>
-              </a:rPr>
-              <a:t>příkazu </a:t>
-            </a:r>
-            <a:r>
-              <a:rPr lang="cs-CZ" sz="1200" b="1" dirty="0" err="1" smtClean="0">
-                <a:solidFill>
-                  <a:srgbClr val="595959"/>
-                </a:solidFill>
-                <a:latin typeface="Andale Mono" charset="0"/>
-                <a:ea typeface="Andale Mono" charset="0"/>
-                <a:cs typeface="Andale Mono" charset="0"/>
-              </a:rPr>
-              <a:t>else</a:t>
-            </a:r>
-            <a:r>
-              <a:rPr lang="cs-CZ" sz="1200" dirty="0" smtClean="0">
-                <a:solidFill>
-                  <a:srgbClr val="595959"/>
-                </a:solidFill>
-                <a:latin typeface="Andale Mono" charset="0"/>
-                <a:ea typeface="Andale Mono" charset="0"/>
-                <a:cs typeface="Andale Mono" charset="0"/>
-              </a:rPr>
-              <a:t>. </a:t>
-            </a:r>
-            <a:r>
-              <a:rPr lang="cs-CZ" sz="1200" dirty="0">
-                <a:solidFill>
-                  <a:srgbClr val="595959"/>
-                </a:solidFill>
-                <a:latin typeface="Andale Mono" charset="0"/>
-                <a:ea typeface="Andale Mono" charset="0"/>
-                <a:cs typeface="Andale Mono" charset="0"/>
-              </a:rPr>
-              <a:t>Příkaz </a:t>
+              <a:t> a první podmínkou. Při splnění se vykoná blok příkazů. Při nesplnění se běh programu nastaví do příkazu </a:t>
             </a:r>
             <a:r>
               <a:rPr lang="cs-CZ" sz="1200" b="1" dirty="0" err="1">
@@ -8947,6 +8799,28 @@
                 <a:ea typeface="Andale Mono" charset="0"/>
                 <a:cs typeface="Andale Mono" charset="0"/>
               </a:rPr>
+              <a:t>. Příkaz </a:t>
+            </a:r>
+            <a:r>
+              <a:rPr lang="cs-CZ" sz="1200" b="1" dirty="0" err="1">
+                <a:solidFill>
+                  <a:srgbClr val="595959"/>
+                </a:solidFill>
+                <a:latin typeface="Andale Mono" charset="0"/>
+                <a:ea typeface="Andale Mono" charset="0"/>
+                <a:cs typeface="Andale Mono" charset="0"/>
+              </a:rPr>
+              <a:t>else</a:t>
+            </a:r>
+            <a:r>
+              <a:rPr lang="cs-CZ" sz="1200" dirty="0">
+                <a:solidFill>
+                  <a:srgbClr val="595959"/>
+                </a:solidFill>
+                <a:latin typeface="Andale Mono" charset="0"/>
+                <a:ea typeface="Andale Mono" charset="0"/>
+                <a:cs typeface="Andale Mono" charset="0"/>
+              </a:rPr>
               <a:t> může být doplněn o další podmínku </a:t>
             </a:r>
             <a:r>
@@ -8969,29 +8843,7 @@
                 <a:ea typeface="Andale Mono" charset="0"/>
                 <a:cs typeface="Andale Mono" charset="0"/>
               </a:rPr>
-              <a:t>. </a:t>
-            </a:r>
-            <a:r>
-              <a:rPr lang="cs-CZ" sz="1200" dirty="0" smtClean="0">
-                <a:solidFill>
-                  <a:srgbClr val="595959"/>
-                </a:solidFill>
-                <a:latin typeface="Andale Mono" charset="0"/>
-                <a:ea typeface="Andale Mono" charset="0"/>
-                <a:cs typeface="Andale Mono" charset="0"/>
-              </a:rPr>
-              <a:t>Program postupně prochází </a:t>
-            </a:r>
-            <a:r>
-              <a:rPr lang="cs-CZ" sz="1200" dirty="0">
-                <a:solidFill>
-                  <a:srgbClr val="595959"/>
-                </a:solidFill>
-                <a:latin typeface="Andale Mono" charset="0"/>
-                <a:ea typeface="Andale Mono" charset="0"/>
-                <a:cs typeface="Andale Mono" charset="0"/>
-              </a:rPr>
-              <a:t>postupně přes jednotlivé podmínky a pokud není žádná splněna, tak skončí v samostatné části </a:t>
+              <a:t>. Program postupně prochází postupně přes jednotlivé podmínky a pokud není žádná splněna, tak skončí v samostatné části </a:t>
             </a:r>
             <a:r>
               <a:rPr lang="cs-CZ" sz="1200" b="1" dirty="0" err="1">
@@ -9049,12 +8901,12 @@
           <a:graphicData uri="http://schemas.openxmlformats.org/presentationml/2006/ole">
             <mc:AlternateContent xmlns:mc="http://schemas.openxmlformats.org/markup-compatibility/2006">
               <mc:Choice xmlns:v="urn:schemas-microsoft-com:vml" Requires="v">
-                <p:oleObj spid="_x0000_s21603" name="Dokument" r:id="rId9" imgW="5575300" imgH="1206500" progId="Word.Document.12">
+                <p:oleObj spid="_x0000_s21605" name="Dokument" r:id="rId7" imgW="5575300" imgH="1206500" progId="Word.Document.12">
                   <p:embed/>
                 </p:oleObj>
               </mc:Choice>
               <mc:Fallback>
-                <p:oleObj name="Dokument" r:id="rId9" imgW="5575300" imgH="1206500" progId="Word.Document.12">
+                <p:oleObj name="Dokument" r:id="rId7" imgW="5575300" imgH="1206500" progId="Word.Document.12">
                   <p:embed/>
                   <p:pic>
                     <p:nvPicPr>
@@ -9063,7 +8915,7 @@
                       <p:nvPr/>
                     </p:nvPicPr>
                     <p:blipFill>
-                      <a:blip r:embed="rId10"/>
+                      <a:blip r:embed="rId8"/>
                       <a:stretch>
                         <a:fillRect/>
                       </a:stretch>
@@ -9124,13 +8976,6 @@
   <p:clrMapOvr>
     <a:masterClrMapping/>
   </p:clrMapOvr>
-  <p:timing>
-    <p:tnLst>
-      <p:par>
-        <p:cTn id="1" dur="indefinite" restart="never" nodeType="tmRoot"/>
-      </p:par>
-    </p:tnLst>
-  </p:timing>
 </p:sld>
 </file>
 
@@ -9358,7 +9203,7 @@
               <a:buNone/>
             </a:pPr>
             <a:r>
-              <a:rPr lang="en-US" altLang="ko-KR" sz="1800" b="1" dirty="0" err="1" smtClean="0">
+              <a:rPr lang="en-US" altLang="ko-KR" sz="1800" b="1" dirty="0" err="1">
                 <a:solidFill>
                   <a:schemeClr val="bg1"/>
                 </a:solidFill>
@@ -9369,7 +9214,7 @@
               <a:t>Sestavení</a:t>
             </a:r>
             <a:r>
-              <a:rPr lang="en-US" altLang="ko-KR" sz="1800" b="1" dirty="0" smtClean="0">
+              <a:rPr lang="en-US" altLang="ko-KR" sz="1800" b="1" dirty="0">
                 <a:solidFill>
                   <a:schemeClr val="bg1"/>
                 </a:solidFill>
@@ -9380,7 +9225,7 @@
               <a:t> </a:t>
             </a:r>
             <a:r>
-              <a:rPr lang="en-US" altLang="ko-KR" sz="1800" b="1" dirty="0" err="1" smtClean="0">
+              <a:rPr lang="en-US" altLang="ko-KR" sz="1800" b="1" dirty="0" err="1">
                 <a:solidFill>
                   <a:schemeClr val="bg1"/>
                 </a:solidFill>
@@ -9478,7 +9323,7 @@
             <a:lstStyle/>
             <a:p>
               <a:r>
-                <a:rPr lang="cs-CZ" sz="800" b="1" smtClean="0">
+                <a:rPr lang="cs-CZ" sz="800" b="1">
                   <a:solidFill>
                     <a:schemeClr val="bg1"/>
                   </a:solidFill>
@@ -9523,7 +9368,7 @@
           <a:lstStyle/>
           <a:p>
             <a:r>
-              <a:rPr lang="cs-CZ" sz="1600" b="1" dirty="0" smtClean="0">
+              <a:rPr lang="cs-CZ" sz="1600" b="1" dirty="0">
                 <a:solidFill>
                   <a:srgbClr val="AB7942"/>
                 </a:solidFill>
@@ -9533,14 +9378,6 @@
               </a:rPr>
               <a:t>Co budeme potřebovat?</a:t>
             </a:r>
-            <a:endParaRPr lang="cs-CZ" sz="1600" b="1" dirty="0">
-              <a:solidFill>
-                <a:srgbClr val="AB7942"/>
-              </a:solidFill>
-              <a:latin typeface="Andale Mono" charset="0"/>
-              <a:ea typeface="Andale Mono" charset="0"/>
-              <a:cs typeface="Andale Mono" charset="0"/>
-            </a:endParaRPr>
           </a:p>
         </p:txBody>
       </p:sp>
@@ -9566,12 +9403,12 @@
           <a:graphicData uri="http://schemas.openxmlformats.org/presentationml/2006/ole">
             <mc:AlternateContent xmlns:mc="http://schemas.openxmlformats.org/markup-compatibility/2006">
               <mc:Choice xmlns:v="urn:schemas-microsoft-com:vml" Requires="v">
-                <p:oleObj spid="_x0000_s1056" name="Dokument" r:id="rId6" imgW="5638800" imgH="2171700" progId="Word.Document.12">
+                <p:oleObj spid="_x0000_s1057" name="Dokument" r:id="rId5" imgW="5638800" imgH="2171700" progId="Word.Document.12">
                   <p:embed/>
                 </p:oleObj>
               </mc:Choice>
               <mc:Fallback>
-                <p:oleObj name="Dokument" r:id="rId6" imgW="5638800" imgH="2171700" progId="Word.Document.12">
+                <p:oleObj name="Dokument" r:id="rId5" imgW="5638800" imgH="2171700" progId="Word.Document.12">
                   <p:embed/>
                   <p:pic>
                     <p:nvPicPr>
@@ -9580,7 +9417,7 @@
                       <p:nvPr/>
                     </p:nvPicPr>
                     <p:blipFill>
-                      <a:blip r:embed="rId7"/>
+                      <a:blip r:embed="rId6"/>
                       <a:stretch>
                         <a:fillRect/>
                       </a:stretch>
@@ -9611,13 +9448,6 @@
   <p:clrMapOvr>
     <a:masterClrMapping/>
   </p:clrMapOvr>
-  <p:timing>
-    <p:tnLst>
-      <p:par>
-        <p:cTn id="1" dur="indefinite" restart="never" nodeType="tmRoot"/>
-      </p:par>
-    </p:tnLst>
-  </p:timing>
 </p:sld>
 </file>
 
@@ -9845,7 +9675,7 @@
               <a:buNone/>
             </a:pPr>
             <a:r>
-              <a:rPr lang="en-US" altLang="ko-KR" sz="1800" b="1" dirty="0" err="1" smtClean="0">
+              <a:rPr lang="en-US" altLang="ko-KR" sz="1800" b="1" dirty="0" err="1">
                 <a:solidFill>
                   <a:schemeClr val="bg1"/>
                 </a:solidFill>
@@ -9856,7 +9686,7 @@
               <a:t>Elektronický</a:t>
             </a:r>
             <a:r>
-              <a:rPr lang="en-US" altLang="ko-KR" sz="1800" b="1" dirty="0" smtClean="0">
+              <a:rPr lang="en-US" altLang="ko-KR" sz="1800" b="1" dirty="0">
                 <a:solidFill>
                   <a:schemeClr val="bg1"/>
                 </a:solidFill>
@@ -9867,7 +9697,7 @@
               <a:t> </a:t>
             </a:r>
             <a:r>
-              <a:rPr lang="en-US" altLang="ko-KR" sz="1800" b="1" dirty="0" err="1" smtClean="0">
+              <a:rPr lang="en-US" altLang="ko-KR" sz="1800" b="1" dirty="0" err="1">
                 <a:solidFill>
                   <a:schemeClr val="bg1"/>
                 </a:solidFill>
@@ -9965,7 +9795,7 @@
             <a:lstStyle/>
             <a:p>
               <a:r>
-                <a:rPr lang="cs-CZ" sz="800" b="1" smtClean="0">
+                <a:rPr lang="cs-CZ" sz="800" b="1">
                   <a:solidFill>
                     <a:schemeClr val="bg1"/>
                   </a:solidFill>
@@ -10010,7 +9840,7 @@
           <a:lstStyle/>
           <a:p>
             <a:r>
-              <a:rPr lang="cs-CZ" sz="1600" b="1" dirty="0" smtClean="0">
+              <a:rPr lang="cs-CZ" sz="1600" b="1" dirty="0">
                 <a:solidFill>
                   <a:srgbClr val="AB7942"/>
                 </a:solidFill>
@@ -10083,18 +9913,13 @@
           <a:p>
             <a:pPr latinLnBrk="0" hangingPunct="0"/>
             <a:r>
-              <a:rPr lang="cs-CZ" sz="1200" dirty="0" smtClean="0">
+              <a:rPr lang="cs-CZ" sz="1200" dirty="0">
                 <a:latin typeface="Andale Mono" charset="0"/>
                 <a:ea typeface="Andale Mono" charset="0"/>
                 <a:cs typeface="Andale Mono" charset="0"/>
               </a:rPr>
               <a:t>Využijte zapojení servomotoru z předchozího příkladu.</a:t>
             </a:r>
-            <a:endParaRPr lang="cs-CZ" sz="1200" dirty="0">
-              <a:latin typeface="Andale Mono" charset="0"/>
-              <a:ea typeface="Andale Mono" charset="0"/>
-              <a:cs typeface="Andale Mono" charset="0"/>
-            </a:endParaRPr>
           </a:p>
         </p:txBody>
       </p:sp>
@@ -10236,12 +10061,12 @@
           <a:graphicData uri="http://schemas.openxmlformats.org/presentationml/2006/ole">
             <mc:AlternateContent xmlns:mc="http://schemas.openxmlformats.org/markup-compatibility/2006">
               <mc:Choice xmlns:v="urn:schemas-microsoft-com:vml" Requires="v">
-                <p:oleObj spid="_x0000_s22594" name="Dokument" r:id="rId4" imgW="5575300" imgH="4838700" progId="Word.Document.12">
+                <p:oleObj spid="_x0000_s22595" name="Dokument" r:id="rId3" imgW="5575300" imgH="4838700" progId="Word.Document.12">
                   <p:embed/>
                 </p:oleObj>
               </mc:Choice>
               <mc:Fallback>
-                <p:oleObj name="Dokument" r:id="rId4" imgW="5575300" imgH="4838700" progId="Word.Document.12">
+                <p:oleObj name="Dokument" r:id="rId3" imgW="5575300" imgH="4838700" progId="Word.Document.12">
                   <p:embed/>
                   <p:pic>
                     <p:nvPicPr>
@@ -10250,7 +10075,7 @@
                       <p:nvPr/>
                     </p:nvPicPr>
                     <p:blipFill>
-                      <a:blip r:embed="rId5"/>
+                      <a:blip r:embed="rId4"/>
                       <a:stretch>
                         <a:fillRect/>
                       </a:stretch>
@@ -10478,7 +10303,7 @@
               <a:buNone/>
             </a:pPr>
             <a:r>
-              <a:rPr lang="en-US" altLang="ko-KR" sz="1800" b="1" dirty="0" err="1" smtClean="0">
+              <a:rPr lang="en-US" altLang="ko-KR" sz="1800" b="1" dirty="0" err="1">
                 <a:solidFill>
                   <a:schemeClr val="bg1"/>
                 </a:solidFill>
@@ -10489,7 +10314,7 @@
               <a:t>Programový</a:t>
             </a:r>
             <a:r>
-              <a:rPr lang="en-US" altLang="ko-KR" sz="1800" b="1" dirty="0" smtClean="0">
+              <a:rPr lang="en-US" altLang="ko-KR" sz="1800" b="1" dirty="0">
                 <a:solidFill>
                   <a:schemeClr val="bg1"/>
                 </a:solidFill>
@@ -10500,7 +10325,7 @@
               <a:t> </a:t>
             </a:r>
             <a:br>
-              <a:rPr lang="en-US" altLang="ko-KR" sz="1800" b="1" dirty="0" smtClean="0">
+              <a:rPr lang="en-US" altLang="ko-KR" sz="1800" b="1" dirty="0">
                 <a:solidFill>
                   <a:schemeClr val="bg1"/>
                 </a:solidFill>
@@ -10510,7 +10335,7 @@
               </a:rPr>
             </a:br>
             <a:r>
-              <a:rPr lang="en-US" altLang="ko-KR" sz="1800" b="1" dirty="0" err="1" smtClean="0">
+              <a:rPr lang="en-US" altLang="ko-KR" sz="1800" b="1" dirty="0" err="1">
                 <a:solidFill>
                   <a:schemeClr val="bg1"/>
                 </a:solidFill>
@@ -10554,12 +10379,12 @@
             <p:nvPr/>
           </p:nvPicPr>
           <p:blipFill>
-            <a:blip r:embed="rId6">
+            <a:blip r:embed="rId5">
               <a:lum bright="70000" contrast="-70000"/>
               <a:extLst>
                 <a:ext uri="{BEBA8EAE-BF5A-486C-A8C5-ECC9F3942E4B}">
                   <a14:imgProps xmlns:a14="http://schemas.microsoft.com/office/drawing/2010/main">
-                    <a14:imgLayer r:embed="rId7">
+                    <a14:imgLayer r:embed="rId6">
                       <a14:imgEffect>
                         <a14:colorTemperature colorTemp="1500"/>
                       </a14:imgEffect>
@@ -10608,7 +10433,7 @@
             <a:lstStyle/>
             <a:p>
               <a:r>
-                <a:rPr lang="cs-CZ" sz="800" b="1" smtClean="0">
+                <a:rPr lang="cs-CZ" sz="800" b="1">
                   <a:solidFill>
                     <a:schemeClr val="bg1"/>
                   </a:solidFill>
@@ -10701,31 +10526,8 @@
                 <a:ea typeface="Andale Mono" charset="0"/>
                 <a:cs typeface="Andale Mono" charset="0"/>
               </a:rPr>
-              <a:t>// V</a:t>
+              <a:t>// Vytvoření instance třídy pro každý motor</a:t>
             </a:r>
-            <a:r>
-              <a:rPr lang="cs-CZ" sz="1100" dirty="0" smtClean="0">
-                <a:solidFill>
-                  <a:schemeClr val="bg1">
-                    <a:lumMod val="50000"/>
-                  </a:schemeClr>
-                </a:solidFill>
-                <a:latin typeface="Andale Mono" charset="0"/>
-                <a:ea typeface="Andale Mono" charset="0"/>
-                <a:cs typeface="Andale Mono" charset="0"/>
-              </a:rPr>
-              <a:t>ytvoření instance třídy pro každý motor</a:t>
-            </a:r>
-            <a:endParaRPr lang="cs-CZ" sz="1100" dirty="0">
-              <a:solidFill>
-                <a:schemeClr val="bg1">
-                  <a:lumMod val="50000"/>
-                </a:schemeClr>
-              </a:solidFill>
-              <a:latin typeface="Andale Mono" charset="0"/>
-              <a:ea typeface="Andale Mono" charset="0"/>
-              <a:cs typeface="Andale Mono" charset="0"/>
-            </a:endParaRPr>
           </a:p>
         </p:txBody>
       </p:sp>
@@ -10752,7 +10554,7 @@
           <a:lstStyle/>
           <a:p>
             <a:r>
-              <a:rPr lang="cs-CZ" sz="1100" dirty="0" smtClean="0">
+              <a:rPr lang="cs-CZ" sz="1100" dirty="0">
                 <a:solidFill>
                   <a:schemeClr val="bg1">
                     <a:lumMod val="50000"/>
@@ -10764,16 +10566,6 @@
               </a:rPr>
               <a:t>// Pozice servomotoru</a:t>
             </a:r>
-            <a:endParaRPr lang="cs-CZ" sz="1100" dirty="0">
-              <a:solidFill>
-                <a:schemeClr val="bg1">
-                  <a:lumMod val="50000"/>
-                </a:schemeClr>
-              </a:solidFill>
-              <a:latin typeface="Andale Mono" charset="0"/>
-              <a:ea typeface="Andale Mono" charset="0"/>
-              <a:cs typeface="Andale Mono" charset="0"/>
-            </a:endParaRPr>
           </a:p>
         </p:txBody>
       </p:sp>
@@ -10810,23 +10602,10 @@
                 <a:ea typeface="Andale Mono" charset="0"/>
                 <a:cs typeface="Andale Mono" charset="0"/>
               </a:rPr>
-              <a:t>// </a:t>
+              <a:t>// Definice pinu </a:t>
             </a:r>
             <a:r>
-              <a:rPr lang="cs-CZ" sz="1100" dirty="0" smtClean="0">
-                <a:solidFill>
-                  <a:schemeClr val="bg1">
-                    <a:lumMod val="50000"/>
-                  </a:schemeClr>
-                </a:solidFill>
-                <a:latin typeface="Andale Mono" charset="0"/>
-                <a:ea typeface="Andale Mono" charset="0"/>
-                <a:cs typeface="Andale Mono" charset="0"/>
-              </a:rPr>
-              <a:t>Definice pinu </a:t>
-            </a:r>
-            <a:r>
-              <a:rPr lang="cs-CZ" sz="1100" smtClean="0">
+              <a:rPr lang="cs-CZ" sz="1100">
                 <a:solidFill>
                   <a:schemeClr val="bg1">
                     <a:lumMod val="50000"/>
@@ -10884,31 +10663,8 @@
                 <a:ea typeface="Andale Mono" charset="0"/>
                 <a:cs typeface="Andale Mono" charset="0"/>
               </a:rPr>
-              <a:t>// </a:t>
+              <a:t>// vyhrazení pinu pro tlačítko</a:t>
             </a:r>
-            <a:r>
-              <a:rPr lang="cs-CZ" sz="1100" dirty="0" smtClean="0">
-                <a:solidFill>
-                  <a:schemeClr val="bg1">
-                    <a:lumMod val="50000"/>
-                  </a:schemeClr>
-                </a:solidFill>
-                <a:latin typeface="Andale Mono" charset="0"/>
-                <a:ea typeface="Andale Mono" charset="0"/>
-                <a:cs typeface="Andale Mono" charset="0"/>
-              </a:rPr>
-              <a:t>vyhrazení pinu pro tlačítko</a:t>
-            </a:r>
-            <a:endParaRPr lang="cs-CZ" sz="1100" dirty="0">
-              <a:solidFill>
-                <a:schemeClr val="bg1">
-                  <a:lumMod val="50000"/>
-                </a:schemeClr>
-              </a:solidFill>
-              <a:latin typeface="Andale Mono" charset="0"/>
-              <a:ea typeface="Andale Mono" charset="0"/>
-              <a:cs typeface="Andale Mono" charset="0"/>
-            </a:endParaRPr>
           </a:p>
         </p:txBody>
       </p:sp>
@@ -10945,31 +10701,8 @@
                 <a:ea typeface="Andale Mono" charset="0"/>
                 <a:cs typeface="Andale Mono" charset="0"/>
               </a:rPr>
-              <a:t>// </a:t>
+              <a:t>// Definice pinu pro tlačítko</a:t>
             </a:r>
-            <a:r>
-              <a:rPr lang="cs-CZ" sz="1100" dirty="0" smtClean="0">
-                <a:solidFill>
-                  <a:schemeClr val="bg1">
-                    <a:lumMod val="50000"/>
-                  </a:schemeClr>
-                </a:solidFill>
-                <a:latin typeface="Andale Mono" charset="0"/>
-                <a:ea typeface="Andale Mono" charset="0"/>
-                <a:cs typeface="Andale Mono" charset="0"/>
-              </a:rPr>
-              <a:t>Definice pinu pro tlačítko</a:t>
-            </a:r>
-            <a:endParaRPr lang="cs-CZ" sz="1100" dirty="0">
-              <a:solidFill>
-                <a:schemeClr val="bg1">
-                  <a:lumMod val="50000"/>
-                </a:schemeClr>
-              </a:solidFill>
-              <a:latin typeface="Andale Mono" charset="0"/>
-              <a:ea typeface="Andale Mono" charset="0"/>
-              <a:cs typeface="Andale Mono" charset="0"/>
-            </a:endParaRPr>
           </a:p>
         </p:txBody>
       </p:sp>
@@ -11006,31 +10739,8 @@
                 <a:ea typeface="Andale Mono" charset="0"/>
                 <a:cs typeface="Andale Mono" charset="0"/>
               </a:rPr>
-              <a:t>// </a:t>
+              <a:t>// Prodleva při natáčení servomotoru</a:t>
             </a:r>
-            <a:r>
-              <a:rPr lang="cs-CZ" sz="1100" dirty="0" smtClean="0">
-                <a:solidFill>
-                  <a:schemeClr val="bg1">
-                    <a:lumMod val="50000"/>
-                  </a:schemeClr>
-                </a:solidFill>
-                <a:latin typeface="Andale Mono" charset="0"/>
-                <a:ea typeface="Andale Mono" charset="0"/>
-                <a:cs typeface="Andale Mono" charset="0"/>
-              </a:rPr>
-              <a:t>Prodleva při natáčení servomotoru</a:t>
-            </a:r>
-            <a:endParaRPr lang="cs-CZ" sz="1100" dirty="0">
-              <a:solidFill>
-                <a:schemeClr val="bg1">
-                  <a:lumMod val="50000"/>
-                </a:schemeClr>
-              </a:solidFill>
-              <a:latin typeface="Andale Mono" charset="0"/>
-              <a:ea typeface="Andale Mono" charset="0"/>
-              <a:cs typeface="Andale Mono" charset="0"/>
-            </a:endParaRPr>
           </a:p>
         </p:txBody>
       </p:sp>
@@ -11681,7 +11391,7 @@
               <a:buNone/>
             </a:pPr>
             <a:r>
-              <a:rPr lang="en-US" altLang="ko-KR" sz="1800" b="1" dirty="0" err="1" smtClean="0">
+              <a:rPr lang="en-US" altLang="ko-KR" sz="1800" b="1" dirty="0" err="1">
                 <a:solidFill>
                   <a:schemeClr val="bg1"/>
                 </a:solidFill>
@@ -11692,7 +11402,7 @@
               <a:t>Otázka</a:t>
             </a:r>
             <a:r>
-              <a:rPr lang="en-US" altLang="ko-KR" sz="1800" b="1" dirty="0" smtClean="0">
+              <a:rPr lang="en-US" altLang="ko-KR" sz="1800" b="1" dirty="0">
                 <a:solidFill>
                   <a:schemeClr val="bg1"/>
                 </a:solidFill>
@@ -11703,7 +11413,7 @@
               <a:t> pro </a:t>
             </a:r>
             <a:br>
-              <a:rPr lang="en-US" altLang="ko-KR" sz="1800" b="1" dirty="0" smtClean="0">
+              <a:rPr lang="en-US" altLang="ko-KR" sz="1800" b="1" dirty="0">
                 <a:solidFill>
                   <a:schemeClr val="bg1"/>
                 </a:solidFill>
@@ -11713,7 +11423,7 @@
               </a:rPr>
             </a:br>
             <a:r>
-              <a:rPr lang="en-US" altLang="ko-KR" sz="1800" b="1" dirty="0" err="1" smtClean="0">
+              <a:rPr lang="en-US" altLang="ko-KR" sz="1800" b="1" dirty="0" err="1">
                 <a:solidFill>
                   <a:schemeClr val="bg1"/>
                 </a:solidFill>
@@ -11811,7 +11521,7 @@
             <a:lstStyle/>
             <a:p>
               <a:r>
-                <a:rPr lang="cs-CZ" sz="800" b="1" smtClean="0">
+                <a:rPr lang="cs-CZ" sz="800" b="1">
                   <a:solidFill>
                     <a:schemeClr val="bg1"/>
                   </a:solidFill>
@@ -11857,7 +11567,7 @@
           <a:p>
             <a:pPr latinLnBrk="0" hangingPunct="0"/>
             <a:r>
-              <a:rPr lang="cs-CZ" sz="1600" dirty="0" smtClean="0">
+              <a:rPr lang="cs-CZ" sz="1600" dirty="0">
                 <a:solidFill>
                   <a:srgbClr val="AB7942"/>
                 </a:solidFill>
@@ -11865,21 +11575,10 @@
                 <a:ea typeface="Andale Mono" charset="0"/>
                 <a:cs typeface="Andale Mono" charset="0"/>
               </a:rPr>
-              <a:t>Když </a:t>
+              <a:t>Když se podíváte na programový kód, jak byste vysvětlili jeho funkčnost. Zejména pak podmínkové příkazy </a:t>
             </a:r>
             <a:r>
-              <a:rPr lang="cs-CZ" sz="1600" dirty="0">
-                <a:solidFill>
-                  <a:srgbClr val="AB7942"/>
-                </a:solidFill>
-                <a:latin typeface="Andale Mono" charset="0"/>
-                <a:ea typeface="Andale Mono" charset="0"/>
-                <a:cs typeface="Andale Mono" charset="0"/>
-              </a:rPr>
-              <a:t>se podíváte na programový kód, jak byste vysvětlili jeho funkčnost. Zejména pak podmínkové příkazy </a:t>
-            </a:r>
-            <a:r>
-              <a:rPr lang="cs-CZ" sz="1600" dirty="0" err="1" smtClean="0">
+              <a:rPr lang="cs-CZ" sz="1600" dirty="0" err="1">
                 <a:solidFill>
                   <a:srgbClr val="AB7942"/>
                 </a:solidFill>
@@ -11890,7 +11589,7 @@
               <a:t>if</a:t>
             </a:r>
             <a:r>
-              <a:rPr lang="cs-CZ" sz="1600" dirty="0" smtClean="0">
+              <a:rPr lang="cs-CZ" sz="1600" dirty="0">
                 <a:solidFill>
                   <a:srgbClr val="AB7942"/>
                 </a:solidFill>
@@ -11900,14 +11599,6 @@
               </a:rPr>
               <a:t>. </a:t>
             </a:r>
-            <a:endParaRPr lang="cs-CZ" sz="1600" dirty="0">
-              <a:solidFill>
-                <a:srgbClr val="AB7942"/>
-              </a:solidFill>
-              <a:latin typeface="Andale Mono" charset="0"/>
-              <a:ea typeface="Andale Mono" charset="0"/>
-              <a:cs typeface="Andale Mono" charset="0"/>
-            </a:endParaRPr>
           </a:p>
         </p:txBody>
       </p:sp>
@@ -11944,7 +11635,7 @@
               </a:buClr>
             </a:pPr>
             <a:r>
-              <a:rPr lang="cs-CZ" sz="1200" dirty="0" smtClean="0">
+              <a:rPr lang="cs-CZ" sz="1200" dirty="0">
                 <a:solidFill>
                   <a:srgbClr val="595959"/>
                 </a:solidFill>
@@ -11955,7 +11646,7 @@
               <a:t>První příkaz </a:t>
             </a:r>
             <a:r>
-              <a:rPr lang="cs-CZ" sz="1200" b="1" dirty="0" err="1" smtClean="0">
+              <a:rPr lang="cs-CZ" sz="1200" b="1" dirty="0" err="1">
                 <a:solidFill>
                   <a:srgbClr val="595959"/>
                 </a:solidFill>
@@ -11966,7 +11657,7 @@
               <a:t>if</a:t>
             </a:r>
             <a:r>
-              <a:rPr lang="cs-CZ" sz="1200" dirty="0" smtClean="0">
+              <a:rPr lang="cs-CZ" sz="1200" dirty="0">
                 <a:solidFill>
                   <a:srgbClr val="595959"/>
                 </a:solidFill>
@@ -12021,7 +11712,7 @@
               </a:buClr>
             </a:pPr>
             <a:r>
-              <a:rPr lang="cs-CZ" sz="1200" dirty="0" smtClean="0">
+              <a:rPr lang="cs-CZ" sz="1200" dirty="0">
                 <a:solidFill>
                   <a:srgbClr val="595959"/>
                 </a:solidFill>
@@ -12032,7 +11723,7 @@
               <a:t>Druhý příkaz </a:t>
             </a:r>
             <a:r>
-              <a:rPr lang="cs-CZ" sz="1200" b="1" dirty="0" err="1" smtClean="0">
+              <a:rPr lang="cs-CZ" sz="1200" b="1" dirty="0" err="1">
                 <a:solidFill>
                   <a:srgbClr val="595959"/>
                 </a:solidFill>
@@ -12043,7 +11734,7 @@
               <a:t>if</a:t>
             </a:r>
             <a:r>
-              <a:rPr lang="cs-CZ" sz="1200" dirty="0" smtClean="0">
+              <a:rPr lang="cs-CZ" sz="1200" dirty="0">
                 <a:solidFill>
                   <a:srgbClr val="595959"/>
                 </a:solidFill>
@@ -12054,7 +11745,7 @@
               <a:t>: pokud bude pozice servomotoru menší jak 180°, zvyš hodnotu proměnné </a:t>
             </a:r>
             <a:r>
-              <a:rPr lang="cs-CZ" sz="1200" b="1" dirty="0" err="1" smtClean="0">
+              <a:rPr lang="cs-CZ" sz="1200" b="1" dirty="0" err="1">
                 <a:solidFill>
                   <a:srgbClr val="595959"/>
                 </a:solidFill>
@@ -12065,7 +11756,7 @@
               <a:t>servoPos</a:t>
             </a:r>
             <a:r>
-              <a:rPr lang="cs-CZ" sz="1200" dirty="0" smtClean="0">
+              <a:rPr lang="cs-CZ" sz="1200" dirty="0">
                 <a:solidFill>
                   <a:srgbClr val="595959"/>
                 </a:solidFill>
@@ -12464,7 +12155,7 @@
               <a:buNone/>
             </a:pPr>
             <a:r>
-              <a:rPr lang="en-US" altLang="ko-KR" sz="1800" b="1" dirty="0" err="1" smtClean="0">
+              <a:rPr lang="en-US" altLang="ko-KR" sz="1800" b="1" dirty="0" err="1">
                 <a:solidFill>
                   <a:schemeClr val="bg1"/>
                 </a:solidFill>
@@ -12475,7 +12166,7 @@
               <a:t>Úkol</a:t>
             </a:r>
             <a:r>
-              <a:rPr lang="en-US" altLang="ko-KR" sz="1800" b="1" dirty="0" smtClean="0">
+              <a:rPr lang="en-US" altLang="ko-KR" sz="1800" b="1" dirty="0">
                 <a:solidFill>
                   <a:schemeClr val="bg1"/>
                 </a:solidFill>
@@ -12486,7 +12177,7 @@
               <a:t> pro </a:t>
             </a:r>
             <a:br>
-              <a:rPr lang="en-US" altLang="ko-KR" sz="1800" b="1" dirty="0" smtClean="0">
+              <a:rPr lang="en-US" altLang="ko-KR" sz="1800" b="1" dirty="0">
                 <a:solidFill>
                   <a:schemeClr val="bg1"/>
                 </a:solidFill>
@@ -12496,7 +12187,7 @@
               </a:rPr>
             </a:br>
             <a:r>
-              <a:rPr lang="en-US" altLang="ko-KR" sz="1800" b="1" dirty="0" err="1" smtClean="0">
+              <a:rPr lang="en-US" altLang="ko-KR" sz="1800" b="1" dirty="0" err="1">
                 <a:solidFill>
                   <a:schemeClr val="bg1"/>
                 </a:solidFill>
@@ -12594,7 +12285,7 @@
             <a:lstStyle/>
             <a:p>
               <a:r>
-                <a:rPr lang="cs-CZ" sz="800" b="1" smtClean="0">
+                <a:rPr lang="cs-CZ" sz="800" b="1">
                   <a:solidFill>
                     <a:schemeClr val="bg1"/>
                   </a:solidFill>
@@ -12699,13 +12390,6 @@
   <p:clrMapOvr>
     <a:masterClrMapping/>
   </p:clrMapOvr>
-  <p:timing>
-    <p:tnLst>
-      <p:par>
-        <p:cTn id="1" dur="indefinite" restart="never" nodeType="tmRoot"/>
-      </p:par>
-    </p:tnLst>
-  </p:timing>
 </p:sld>
 </file>
 
@@ -12933,7 +12617,7 @@
               <a:buNone/>
             </a:pPr>
             <a:r>
-              <a:rPr lang="en-US" altLang="ko-KR" sz="1800" b="1" dirty="0" err="1" smtClean="0">
+              <a:rPr lang="en-US" altLang="ko-KR" sz="1800" b="1" dirty="0" err="1">
                 <a:solidFill>
                   <a:schemeClr val="bg1"/>
                 </a:solidFill>
@@ -12944,7 +12628,7 @@
               <a:t>Úkol</a:t>
             </a:r>
             <a:r>
-              <a:rPr lang="en-US" altLang="ko-KR" sz="1800" b="1" dirty="0" smtClean="0">
+              <a:rPr lang="en-US" altLang="ko-KR" sz="1800" b="1" dirty="0">
                 <a:solidFill>
                   <a:schemeClr val="bg1"/>
                 </a:solidFill>
@@ -12955,7 +12639,7 @@
               <a:t> pro </a:t>
             </a:r>
             <a:br>
-              <a:rPr lang="en-US" altLang="ko-KR" sz="1800" b="1" dirty="0" smtClean="0">
+              <a:rPr lang="en-US" altLang="ko-KR" sz="1800" b="1" dirty="0">
                 <a:solidFill>
                   <a:schemeClr val="bg1"/>
                 </a:solidFill>
@@ -12965,7 +12649,7 @@
               </a:rPr>
             </a:br>
             <a:r>
-              <a:rPr lang="en-US" altLang="ko-KR" sz="1800" b="1" dirty="0" err="1" smtClean="0">
+              <a:rPr lang="en-US" altLang="ko-KR" sz="1800" b="1" dirty="0" err="1">
                 <a:solidFill>
                   <a:schemeClr val="bg1"/>
                 </a:solidFill>
@@ -13063,7 +12747,7 @@
             <a:lstStyle/>
             <a:p>
               <a:r>
-                <a:rPr lang="cs-CZ" sz="800" b="1" smtClean="0">
+                <a:rPr lang="cs-CZ" sz="800" b="1">
                   <a:solidFill>
                     <a:schemeClr val="bg1"/>
                   </a:solidFill>
@@ -13107,12 +12791,12 @@
           <a:graphicData uri="http://schemas.openxmlformats.org/presentationml/2006/ole">
             <mc:AlternateContent xmlns:mc="http://schemas.openxmlformats.org/markup-compatibility/2006">
               <mc:Choice xmlns:v="urn:schemas-microsoft-com:vml" Requires="v">
-                <p:oleObj spid="_x0000_s13532" name="Dokument" r:id="rId6" imgW="6413500" imgH="2933700" progId="Word.Document.12">
+                <p:oleObj spid="_x0000_s13534" name="Dokument" r:id="rId5" imgW="6413500" imgH="2933700" progId="Word.Document.12">
                   <p:embed/>
                 </p:oleObj>
               </mc:Choice>
               <mc:Fallback>
-                <p:oleObj name="Dokument" r:id="rId6" imgW="6413500" imgH="2933700" progId="Word.Document.12">
+                <p:oleObj name="Dokument" r:id="rId5" imgW="6413500" imgH="2933700" progId="Word.Document.12">
                   <p:embed/>
                   <p:pic>
                     <p:nvPicPr>
@@ -13121,7 +12805,7 @@
                       <p:nvPr/>
                     </p:nvPicPr>
                     <p:blipFill>
-                      <a:blip r:embed="rId7"/>
+                      <a:blip r:embed="rId6"/>
                       <a:stretch>
                         <a:fillRect/>
                       </a:stretch>
@@ -13164,12 +12848,12 @@
           <a:graphicData uri="http://schemas.openxmlformats.org/presentationml/2006/ole">
             <mc:AlternateContent xmlns:mc="http://schemas.openxmlformats.org/markup-compatibility/2006">
               <mc:Choice xmlns:v="urn:schemas-microsoft-com:vml" Requires="v">
-                <p:oleObj spid="_x0000_s13533" name="Dokument" r:id="rId9" imgW="5575300" imgH="3848100" progId="Word.Document.12">
+                <p:oleObj spid="_x0000_s13535" name="Dokument" r:id="rId7" imgW="5575300" imgH="3848100" progId="Word.Document.12">
                   <p:embed/>
                 </p:oleObj>
               </mc:Choice>
               <mc:Fallback>
-                <p:oleObj name="Dokument" r:id="rId9" imgW="5575300" imgH="3848100" progId="Word.Document.12">
+                <p:oleObj name="Dokument" r:id="rId7" imgW="5575300" imgH="3848100" progId="Word.Document.12">
                   <p:embed/>
                   <p:pic>
                     <p:nvPicPr>
@@ -13178,7 +12862,7 @@
                       <p:nvPr/>
                     </p:nvPicPr>
                     <p:blipFill>
-                      <a:blip r:embed="rId10"/>
+                      <a:blip r:embed="rId8"/>
                       <a:stretch>
                         <a:fillRect/>
                       </a:stretch>
@@ -13239,13 +12923,6 @@
   <p:clrMapOvr>
     <a:masterClrMapping/>
   </p:clrMapOvr>
-  <p:timing>
-    <p:tnLst>
-      <p:par>
-        <p:cTn id="1" dur="indefinite" restart="never" nodeType="tmRoot"/>
-      </p:par>
-    </p:tnLst>
-  </p:timing>
 </p:sld>
 </file>
 
@@ -13473,7 +13150,7 @@
               <a:buNone/>
             </a:pPr>
             <a:r>
-              <a:rPr lang="en-US" altLang="ko-KR" sz="1800" b="1" dirty="0" err="1" smtClean="0">
+              <a:rPr lang="en-US" altLang="ko-KR" sz="1800" b="1" dirty="0" err="1">
                 <a:solidFill>
                   <a:schemeClr val="bg1"/>
                 </a:solidFill>
@@ -13484,7 +13161,7 @@
               <a:t>Úkol</a:t>
             </a:r>
             <a:r>
-              <a:rPr lang="en-US" altLang="ko-KR" sz="1800" b="1" dirty="0" smtClean="0">
+              <a:rPr lang="en-US" altLang="ko-KR" sz="1800" b="1" dirty="0">
                 <a:solidFill>
                   <a:schemeClr val="bg1"/>
                 </a:solidFill>
@@ -13495,7 +13172,7 @@
               <a:t> pro </a:t>
             </a:r>
             <a:br>
-              <a:rPr lang="en-US" altLang="ko-KR" sz="1800" b="1" dirty="0" smtClean="0">
+              <a:rPr lang="en-US" altLang="ko-KR" sz="1800" b="1" dirty="0">
                 <a:solidFill>
                   <a:schemeClr val="bg1"/>
                 </a:solidFill>
@@ -13505,7 +13182,7 @@
               </a:rPr>
             </a:br>
             <a:r>
-              <a:rPr lang="en-US" altLang="ko-KR" sz="1800" b="1" dirty="0" err="1" smtClean="0">
+              <a:rPr lang="en-US" altLang="ko-KR" sz="1800" b="1" dirty="0" err="1">
                 <a:solidFill>
                   <a:schemeClr val="bg1"/>
                 </a:solidFill>
@@ -13603,7 +13280,7 @@
             <a:lstStyle/>
             <a:p>
               <a:r>
-                <a:rPr lang="cs-CZ" sz="800" b="1" smtClean="0">
+                <a:rPr lang="cs-CZ" sz="800" b="1">
                   <a:solidFill>
                     <a:schemeClr val="bg1"/>
                   </a:solidFill>
@@ -13649,7 +13326,7 @@
           <a:p>
             <a:pPr latinLnBrk="0" hangingPunct="0"/>
             <a:r>
-              <a:rPr lang="cs-CZ" sz="1600" dirty="0" smtClean="0">
+              <a:rPr lang="cs-CZ" sz="1600" dirty="0">
                 <a:solidFill>
                   <a:srgbClr val="AB7942"/>
                 </a:solidFill>
@@ -13659,14 +13336,6 @@
               </a:rPr>
               <a:t>Změňte předchozí obvod tak, že místo tlačítek budou zapojeny fotorezistory.</a:t>
             </a:r>
-            <a:endParaRPr lang="cs-CZ" sz="1600" dirty="0">
-              <a:solidFill>
-                <a:srgbClr val="AB7942"/>
-              </a:solidFill>
-              <a:latin typeface="Andale Mono" charset="0"/>
-              <a:ea typeface="Andale Mono" charset="0"/>
-              <a:cs typeface="Andale Mono" charset="0"/>
-            </a:endParaRPr>
           </a:p>
         </p:txBody>
       </p:sp>
@@ -13716,13 +13385,6 @@
   <p:clrMapOvr>
     <a:masterClrMapping/>
   </p:clrMapOvr>
-  <p:timing>
-    <p:tnLst>
-      <p:par>
-        <p:cTn id="1" dur="indefinite" restart="never" nodeType="tmRoot"/>
-      </p:par>
-    </p:tnLst>
-  </p:timing>
 </p:sld>
 </file>
 
